--- a/apresentação/Migração de Múltiplos Sistemas Monolíticos para Microserviços.pptx
+++ b/apresentação/Migração de Múltiplos Sistemas Monolíticos para Microserviços.pptx
@@ -5,23 +5,25 @@
     <p:sldMasterId id="2147483684" r:id="rId1"/>
   </p:sldMasterIdLst>
   <p:notesMasterIdLst>
-    <p:notesMasterId r:id="rId13"/>
+    <p:notesMasterId r:id="rId15"/>
   </p:notesMasterIdLst>
   <p:handoutMasterIdLst>
-    <p:handoutMasterId r:id="rId14"/>
+    <p:handoutMasterId r:id="rId16"/>
   </p:handoutMasterIdLst>
   <p:sldIdLst>
     <p:sldId id="272" r:id="rId2"/>
     <p:sldId id="273" r:id="rId3"/>
     <p:sldId id="282" r:id="rId4"/>
-    <p:sldId id="274" r:id="rId5"/>
-    <p:sldId id="275" r:id="rId6"/>
-    <p:sldId id="276" r:id="rId7"/>
-    <p:sldId id="277" r:id="rId8"/>
-    <p:sldId id="278" r:id="rId9"/>
-    <p:sldId id="279" r:id="rId10"/>
-    <p:sldId id="280" r:id="rId11"/>
-    <p:sldId id="281" r:id="rId12"/>
+    <p:sldId id="283" r:id="rId5"/>
+    <p:sldId id="274" r:id="rId6"/>
+    <p:sldId id="275" r:id="rId7"/>
+    <p:sldId id="276" r:id="rId8"/>
+    <p:sldId id="277" r:id="rId9"/>
+    <p:sldId id="278" r:id="rId10"/>
+    <p:sldId id="279" r:id="rId11"/>
+    <p:sldId id="280" r:id="rId12"/>
+    <p:sldId id="281" r:id="rId13"/>
+    <p:sldId id="284" r:id="rId14"/>
   </p:sldIdLst>
   <p:sldSz cx="12192000" cy="6858000"/>
   <p:notesSz cx="6858000" cy="9144000"/>
@@ -213,7 +215,7 @@
           <a:p>
             <a:fld id="{5004B174-1E45-469F-8869-E07E3AB4918F}" type="datetime1">
               <a:rPr lang="pt-BR" smtClean="0"/>
-              <a:t>04/12/2019</a:t>
+              <a:t>13/12/2019</a:t>
             </a:fld>
             <a:endParaRPr lang="pt-BR" dirty="0"/>
           </a:p>
@@ -381,7 +383,7 @@
             <a:pPr rtl="0"/>
             <a:fld id="{7C8EBCC8-66A6-4000-840C-39542AEEBBE9}" type="datetime1">
               <a:rPr lang="pt-BR" smtClean="0"/>
-              <a:t>04/12/2019</a:t>
+              <a:t>13/12/2019</a:t>
             </a:fld>
             <a:endParaRPr lang="pt-BR" dirty="0"/>
           </a:p>
@@ -974,7 +976,7 @@
             <a:pPr rtl="0"/>
             <a:fld id="{893B0CF2-7F87-4E02-A248-870047730F99}" type="slidenum">
               <a:rPr lang="pt-BR" smtClean="0"/>
-              <a:t>4</a:t>
+              <a:t>5</a:t>
             </a:fld>
             <a:endParaRPr lang="pt-BR" dirty="0"/>
           </a:p>
@@ -1059,7 +1061,7 @@
             <a:pPr rtl="0"/>
             <a:fld id="{893B0CF2-7F87-4E02-A248-870047730F99}" type="slidenum">
               <a:rPr lang="pt-BR" smtClean="0"/>
-              <a:t>5</a:t>
+              <a:t>6</a:t>
             </a:fld>
             <a:endParaRPr lang="pt-BR" dirty="0"/>
           </a:p>
@@ -1144,7 +1146,7 @@
             <a:pPr rtl="0"/>
             <a:fld id="{893B0CF2-7F87-4E02-A248-870047730F99}" type="slidenum">
               <a:rPr lang="pt-BR" smtClean="0"/>
-              <a:t>6</a:t>
+              <a:t>7</a:t>
             </a:fld>
             <a:endParaRPr lang="pt-BR" dirty="0"/>
           </a:p>
@@ -1229,7 +1231,7 @@
             <a:pPr rtl="0"/>
             <a:fld id="{893B0CF2-7F87-4E02-A248-870047730F99}" type="slidenum">
               <a:rPr lang="pt-BR" smtClean="0"/>
-              <a:t>7</a:t>
+              <a:t>8</a:t>
             </a:fld>
             <a:endParaRPr lang="pt-BR" dirty="0"/>
           </a:p>
@@ -1314,7 +1316,7 @@
             <a:pPr rtl="0"/>
             <a:fld id="{893B0CF2-7F87-4E02-A248-870047730F99}" type="slidenum">
               <a:rPr lang="pt-BR" smtClean="0"/>
-              <a:t>8</a:t>
+              <a:t>9</a:t>
             </a:fld>
             <a:endParaRPr lang="pt-BR" dirty="0"/>
           </a:p>
@@ -1399,7 +1401,7 @@
             <a:pPr rtl="0"/>
             <a:fld id="{893B0CF2-7F87-4E02-A248-870047730F99}" type="slidenum">
               <a:rPr lang="pt-BR" smtClean="0"/>
-              <a:t>9</a:t>
+              <a:t>10</a:t>
             </a:fld>
             <a:endParaRPr lang="pt-BR" dirty="0"/>
           </a:p>
@@ -1736,7 +1738,7 @@
             <a:pPr rtl="0"/>
             <a:fld id="{375019F9-CD9B-4B23-A6BF-2073F59985EC}" type="datetime1">
               <a:rPr lang="pt-BR" smtClean="0"/>
-              <a:t>04/12/2019</a:t>
+              <a:t>13/12/2019</a:t>
             </a:fld>
             <a:endParaRPr lang="pt-BR" dirty="0"/>
           </a:p>
@@ -1925,7 +1927,7 @@
             <a:pPr rtl="0"/>
             <a:fld id="{1BECFD60-1741-424F-8B99-8918542B6ADC}" type="datetime1">
               <a:rPr lang="pt-BR" smtClean="0"/>
-              <a:t>04/12/2019</a:t>
+              <a:t>13/12/2019</a:t>
             </a:fld>
             <a:endParaRPr lang="pt-BR" dirty="0"/>
           </a:p>
@@ -2124,7 +2126,7 @@
             <a:pPr rtl="0"/>
             <a:fld id="{A5B55638-9225-48D5-82EC-11E71FD82E01}" type="datetime1">
               <a:rPr lang="pt-BR" smtClean="0"/>
-              <a:t>04/12/2019</a:t>
+              <a:t>13/12/2019</a:t>
             </a:fld>
             <a:endParaRPr lang="pt-BR" dirty="0"/>
           </a:p>
@@ -2313,7 +2315,7 @@
             <a:pPr rtl="0"/>
             <a:fld id="{CE888792-EE31-4F3D-AE6C-D78083AF5D09}" type="datetime1">
               <a:rPr lang="pt-BR" smtClean="0"/>
-              <a:t>04/12/2019</a:t>
+              <a:t>13/12/2019</a:t>
             </a:fld>
             <a:endParaRPr lang="pt-BR" dirty="0"/>
           </a:p>
@@ -2565,7 +2567,7 @@
             <a:pPr rtl="0"/>
             <a:fld id="{F1D92E80-FE63-4FD3-8C4B-46E1B7DD0C14}" type="datetime1">
               <a:rPr lang="pt-BR" smtClean="0"/>
-              <a:t>04/12/2019</a:t>
+              <a:t>13/12/2019</a:t>
             </a:fld>
             <a:endParaRPr lang="pt-BR" dirty="0"/>
           </a:p>
@@ -2853,7 +2855,7 @@
             <a:pPr rtl="0"/>
             <a:fld id="{0C4574D3-461D-403C-B70F-70CAFFC5040D}" type="datetime1">
               <a:rPr lang="pt-BR" smtClean="0"/>
-              <a:t>04/12/2019</a:t>
+              <a:t>13/12/2019</a:t>
             </a:fld>
             <a:endParaRPr lang="pt-BR" dirty="0"/>
           </a:p>
@@ -3255,7 +3257,7 @@
             <a:pPr rtl="0"/>
             <a:fld id="{F3E58199-174D-4ECD-B75D-C27F3606E03D}" type="datetime1">
               <a:rPr lang="pt-BR" smtClean="0"/>
-              <a:t>04/12/2019</a:t>
+              <a:t>13/12/2019</a:t>
             </a:fld>
             <a:endParaRPr lang="pt-BR" dirty="0"/>
           </a:p>
@@ -3429,7 +3431,7 @@
             <a:pPr rtl="0"/>
             <a:fld id="{DB352B12-082C-4096-B726-1F111A5684A7}" type="datetime1">
               <a:rPr lang="pt-BR" smtClean="0"/>
-              <a:t>04/12/2019</a:t>
+              <a:t>13/12/2019</a:t>
             </a:fld>
             <a:endParaRPr lang="pt-BR" dirty="0"/>
           </a:p>
@@ -3542,7 +3544,7 @@
             <a:pPr rtl="0"/>
             <a:fld id="{406916AB-2E02-4325-9297-69F9388ED251}" type="datetime1">
               <a:rPr lang="pt-BR" smtClean="0"/>
-              <a:t>04/12/2019</a:t>
+              <a:t>13/12/2019</a:t>
             </a:fld>
             <a:endParaRPr lang="pt-BR" dirty="0"/>
           </a:p>
@@ -3827,7 +3829,7 @@
             <a:pPr rtl="0"/>
             <a:fld id="{9B25822E-7729-44B7-8A1B-DC2E54C85EFB}" type="datetime1">
               <a:rPr lang="pt-BR" smtClean="0"/>
-              <a:t>04/12/2019</a:t>
+              <a:t>13/12/2019</a:t>
             </a:fld>
             <a:endParaRPr lang="pt-BR" dirty="0"/>
           </a:p>
@@ -4186,7 +4188,7 @@
             <a:pPr rtl="0"/>
             <a:fld id="{667CADFA-5F1D-4AFA-A0E2-AD771F26F693}" type="datetime1">
               <a:rPr lang="pt-BR" smtClean="0"/>
-              <a:t>04/12/2019</a:t>
+              <a:t>13/12/2019</a:t>
             </a:fld>
             <a:endParaRPr lang="pt-BR" dirty="0"/>
           </a:p>
@@ -5224,7 +5226,7 @@
             <a:pPr rtl="0"/>
             <a:fld id="{622768F7-F621-447A-BCB5-382C8A877F77}" type="datetime1">
               <a:rPr lang="pt-BR" smtClean="0"/>
-              <a:t>04/12/2019</a:t>
+              <a:t>13/12/2019</a:t>
             </a:fld>
             <a:endParaRPr lang="pt-BR" dirty="0"/>
           </a:p>
@@ -5682,7 +5684,7 @@
             <a:pPr rtl="0"/>
             <a:r>
               <a:rPr lang="pt-BR" sz="4400" dirty="0"/>
-              <a:t>Migração de Múltiplos Sistemas Monolíticos para Microserviços</a:t>
+              <a:t>Migração de Múltiplos Sistemas Monolíticos para Microsserviços</a:t>
             </a:r>
           </a:p>
         </p:txBody>
@@ -5767,13 +5769,7 @@
       </p:grpSpPr>
       <p:sp>
         <p:nvSpPr>
-          <p:cNvPr id="2" name="Título 1">
-            <a:extLst>
-              <a:ext uri="{FF2B5EF4-FFF2-40B4-BE49-F238E27FC236}">
-                <a16:creationId xmlns:a16="http://schemas.microsoft.com/office/drawing/2014/main" id="{4E086583-5434-4334-8F3B-B494E0EEAF5B}"/>
-              </a:ext>
-            </a:extLst>
-          </p:cNvPr>
+          <p:cNvPr id="3" name="Título 2"/>
           <p:cNvSpPr>
             <a:spLocks noGrp="1"/>
           </p:cNvSpPr>
@@ -5783,25 +5779,20 @@
         </p:nvSpPr>
         <p:spPr/>
         <p:txBody>
-          <a:bodyPr/>
-          <a:lstStyle/>
-          <a:p>
+          <a:bodyPr rtlCol="0"/>
+          <a:lstStyle/>
+          <a:p>
+            <a:pPr rtl="0"/>
             <a:r>
               <a:rPr lang="pt-BR" dirty="0"/>
-              <a:t>Resultados esperados</a:t>
-            </a:r>
-          </a:p>
-        </p:txBody>
-      </p:sp>
-      <p:sp>
-        <p:nvSpPr>
-          <p:cNvPr id="3" name="Espaço Reservado para Conteúdo 2">
-            <a:extLst>
-              <a:ext uri="{FF2B5EF4-FFF2-40B4-BE49-F238E27FC236}">
-                <a16:creationId xmlns:a16="http://schemas.microsoft.com/office/drawing/2014/main" id="{1D18C171-D9B3-493F-BBD8-584094D0FCB0}"/>
-              </a:ext>
-            </a:extLst>
-          </p:cNvPr>
+              <a:t>Metodologia</a:t>
+            </a:r>
+          </a:p>
+        </p:txBody>
+      </p:sp>
+      <p:sp>
+        <p:nvSpPr>
+          <p:cNvPr id="2" name="Espaço reservado para conteúdo 1"/>
           <p:cNvSpPr>
             <a:spLocks noGrp="1"/>
           </p:cNvSpPr>
@@ -5811,30 +5802,20 @@
         </p:nvSpPr>
         <p:spPr/>
         <p:txBody>
-          <a:bodyPr/>
-          <a:lstStyle/>
-          <a:p>
+          <a:bodyPr rtlCol="0"/>
+          <a:lstStyle/>
+          <a:p>
+            <a:pPr rtl="0"/>
             <a:r>
               <a:rPr lang="pt-BR" dirty="0"/>
-              <a:t>Após análise da estrutura existente, espera-se a migração de um sistema para microserviços;</a:t>
-            </a:r>
-          </a:p>
-          <a:p>
+              <a:t>Estudo de caso: Estudo de um fenômeno em um ambiente real. Análise com base em um projeto de engenharia de software, metodologia de engenharia de software e seu uso dentro da organização, todo ou parte específica de um novo projeto ou manutenção de um projeto em andamento;</a:t>
+            </a:r>
+          </a:p>
+          <a:p>
+            <a:pPr rtl="0"/>
             <a:r>
               <a:rPr lang="pt-BR" dirty="0"/>
-              <a:t>Analisar os efeitos da migração em relação a benefícios e dificuldades encontradas;</a:t>
-            </a:r>
-          </a:p>
-          <a:p>
-            <a:r>
-              <a:rPr lang="pt-BR" dirty="0"/>
-              <a:t>Melhorar o processo para futura migração de outros sistemas;</a:t>
-            </a:r>
-          </a:p>
-          <a:p>
-            <a:r>
-              <a:rPr lang="pt-BR" dirty="0"/>
-              <a:t>Contribuição com organizações que vivenciam o mesmo cenário.</a:t>
+              <a:t>Ambiente real: Núcleo de Tecnologia da Informação (NTI) UNIOESTE.</a:t>
             </a:r>
           </a:p>
         </p:txBody>
@@ -5842,7 +5823,7 @@
     </p:spTree>
     <p:extLst>
       <p:ext uri="{BB962C8B-B14F-4D97-AF65-F5344CB8AC3E}">
-        <p14:creationId xmlns:p14="http://schemas.microsoft.com/office/powerpoint/2010/main" val="1264147872"/>
+        <p14:creationId xmlns:p14="http://schemas.microsoft.com/office/powerpoint/2010/main" val="112606551"/>
       </p:ext>
     </p:extLst>
   </p:cSld>
@@ -5886,6 +5867,128 @@
           <p:cNvPr id="2" name="Título 1">
             <a:extLst>
               <a:ext uri="{FF2B5EF4-FFF2-40B4-BE49-F238E27FC236}">
+                <a16:creationId xmlns:a16="http://schemas.microsoft.com/office/drawing/2014/main" id="{4E086583-5434-4334-8F3B-B494E0EEAF5B}"/>
+              </a:ext>
+            </a:extLst>
+          </p:cNvPr>
+          <p:cNvSpPr>
+            <a:spLocks noGrp="1"/>
+          </p:cNvSpPr>
+          <p:nvPr>
+            <p:ph type="title"/>
+          </p:nvPr>
+        </p:nvSpPr>
+        <p:spPr/>
+        <p:txBody>
+          <a:bodyPr/>
+          <a:lstStyle/>
+          <a:p>
+            <a:r>
+              <a:rPr lang="pt-BR" dirty="0"/>
+              <a:t>Resultados esperados</a:t>
+            </a:r>
+          </a:p>
+        </p:txBody>
+      </p:sp>
+      <p:sp>
+        <p:nvSpPr>
+          <p:cNvPr id="3" name="Espaço Reservado para Conteúdo 2">
+            <a:extLst>
+              <a:ext uri="{FF2B5EF4-FFF2-40B4-BE49-F238E27FC236}">
+                <a16:creationId xmlns:a16="http://schemas.microsoft.com/office/drawing/2014/main" id="{1D18C171-D9B3-493F-BBD8-584094D0FCB0}"/>
+              </a:ext>
+            </a:extLst>
+          </p:cNvPr>
+          <p:cNvSpPr>
+            <a:spLocks noGrp="1"/>
+          </p:cNvSpPr>
+          <p:nvPr>
+            <p:ph idx="1"/>
+          </p:nvPr>
+        </p:nvSpPr>
+        <p:spPr/>
+        <p:txBody>
+          <a:bodyPr/>
+          <a:lstStyle/>
+          <a:p>
+            <a:r>
+              <a:rPr lang="pt-BR" dirty="0"/>
+              <a:t>Nova arquitetura baseado em microsserviços;</a:t>
+            </a:r>
+          </a:p>
+          <a:p>
+            <a:r>
+              <a:rPr lang="pt-BR" dirty="0"/>
+              <a:t>Migração de um sistema para microsserviços;</a:t>
+            </a:r>
+          </a:p>
+          <a:p>
+            <a:r>
+              <a:rPr lang="pt-BR" dirty="0"/>
+              <a:t>Analisar os efeitos da migração em relação a dificuldades encontradas;</a:t>
+            </a:r>
+          </a:p>
+          <a:p>
+            <a:r>
+              <a:rPr lang="pt-BR" dirty="0"/>
+              <a:t>Melhoraria do processo para posterior migração de outros sistemas;</a:t>
+            </a:r>
+          </a:p>
+          <a:p>
+            <a:r>
+              <a:rPr lang="pt-BR" dirty="0"/>
+              <a:t>Contribuição com organizações que vivenciam o mesmo cenário.</a:t>
+            </a:r>
+          </a:p>
+        </p:txBody>
+      </p:sp>
+    </p:spTree>
+    <p:extLst>
+      <p:ext uri="{BB962C8B-B14F-4D97-AF65-F5344CB8AC3E}">
+        <p14:creationId xmlns:p14="http://schemas.microsoft.com/office/powerpoint/2010/main" val="1264147872"/>
+      </p:ext>
+    </p:extLst>
+  </p:cSld>
+  <p:clrMapOvr>
+    <a:masterClrMapping/>
+  </p:clrMapOvr>
+  <mc:AlternateContent xmlns:mc="http://schemas.openxmlformats.org/markup-compatibility/2006" xmlns:p14="http://schemas.microsoft.com/office/powerpoint/2010/main">
+    <mc:Choice Requires="p14">
+      <p:transition spd="med" p14:dur="700">
+        <p:fade/>
+      </p:transition>
+    </mc:Choice>
+    <mc:Fallback xmlns="">
+      <p:transition spd="med">
+        <p:fade/>
+      </p:transition>
+    </mc:Fallback>
+  </mc:AlternateContent>
+</p:sld>
+</file>
+
+<file path=ppt/slides/slide12.xml><?xml version="1.0" encoding="utf-8"?>
+<p:sld xmlns:a="http://schemas.openxmlformats.org/drawingml/2006/main" xmlns:r="http://schemas.openxmlformats.org/officeDocument/2006/relationships" xmlns:p="http://schemas.openxmlformats.org/presentationml/2006/main">
+  <p:cSld>
+    <p:spTree>
+      <p:nvGrpSpPr>
+        <p:cNvPr id="1" name=""/>
+        <p:cNvGrpSpPr/>
+        <p:nvPr/>
+      </p:nvGrpSpPr>
+      <p:grpSpPr>
+        <a:xfrm>
+          <a:off x="0" y="0"/>
+          <a:ext cx="0" cy="0"/>
+          <a:chOff x="0" y="0"/>
+          <a:chExt cx="0" cy="0"/>
+        </a:xfrm>
+      </p:grpSpPr>
+      <p:sp>
+        <p:nvSpPr>
+          <p:cNvPr id="2" name="Título 1">
+            <a:extLst>
+              <a:ext uri="{FF2B5EF4-FFF2-40B4-BE49-F238E27FC236}">
                 <a16:creationId xmlns:a16="http://schemas.microsoft.com/office/drawing/2014/main" id="{A1F7412F-F672-42C7-9F36-992B565D8C5E}"/>
               </a:ext>
             </a:extLst>
@@ -5937,9 +6040,10 @@
           </a:p>
           <a:p>
             <a:r>
-              <a:rPr lang="pt-BR" dirty="0"/>
-              <a:t>Identificar dependências</a:t>
-            </a:r>
+              <a:rPr lang="pt-BR"/>
+              <a:t>Identificar dependências;</a:t>
+            </a:r>
+            <a:endParaRPr lang="pt-BR" dirty="0"/>
           </a:p>
           <a:p>
             <a:r>
@@ -5977,6 +6081,82 @@
     <p:extLst>
       <p:ext uri="{BB962C8B-B14F-4D97-AF65-F5344CB8AC3E}">
         <p14:creationId xmlns:p14="http://schemas.microsoft.com/office/powerpoint/2010/main" val="4170207504"/>
+      </p:ext>
+    </p:extLst>
+  </p:cSld>
+  <p:clrMapOvr>
+    <a:masterClrMapping/>
+  </p:clrMapOvr>
+  <mc:AlternateContent xmlns:mc="http://schemas.openxmlformats.org/markup-compatibility/2006" xmlns:p14="http://schemas.microsoft.com/office/powerpoint/2010/main">
+    <mc:Choice Requires="p14">
+      <p:transition spd="med" p14:dur="700">
+        <p:fade/>
+      </p:transition>
+    </mc:Choice>
+    <mc:Fallback xmlns="">
+      <p:transition spd="med">
+        <p:fade/>
+      </p:transition>
+    </mc:Fallback>
+  </mc:AlternateContent>
+</p:sld>
+</file>
+
+<file path=ppt/slides/slide13.xml><?xml version="1.0" encoding="utf-8"?>
+<p:sld xmlns:a="http://schemas.openxmlformats.org/drawingml/2006/main" xmlns:r="http://schemas.openxmlformats.org/officeDocument/2006/relationships" xmlns:p="http://schemas.openxmlformats.org/presentationml/2006/main">
+  <p:cSld>
+    <p:spTree>
+      <p:nvGrpSpPr>
+        <p:cNvPr id="1" name=""/>
+        <p:cNvGrpSpPr/>
+        <p:nvPr/>
+      </p:nvGrpSpPr>
+      <p:grpSpPr>
+        <a:xfrm>
+          <a:off x="0" y="0"/>
+          <a:ext cx="0" cy="0"/>
+          <a:chOff x="0" y="0"/>
+          <a:chExt cx="0" cy="0"/>
+        </a:xfrm>
+      </p:grpSpPr>
+      <p:sp>
+        <p:nvSpPr>
+          <p:cNvPr id="2" name="Título 1">
+            <a:extLst>
+              <a:ext uri="{FF2B5EF4-FFF2-40B4-BE49-F238E27FC236}">
+                <a16:creationId xmlns:a16="http://schemas.microsoft.com/office/drawing/2014/main" id="{006BA7A4-F862-4653-B34D-8B35403967C6}"/>
+              </a:ext>
+            </a:extLst>
+          </p:cNvPr>
+          <p:cNvSpPr>
+            <a:spLocks noGrp="1"/>
+          </p:cNvSpPr>
+          <p:nvPr>
+            <p:ph type="title"/>
+          </p:nvPr>
+        </p:nvSpPr>
+        <p:spPr>
+          <a:xfrm>
+            <a:off x="609600" y="704087"/>
+            <a:ext cx="10972800" cy="3202895"/>
+          </a:xfrm>
+        </p:spPr>
+        <p:txBody>
+          <a:bodyPr/>
+          <a:lstStyle/>
+          <a:p>
+            <a:pPr algn="ctr"/>
+            <a:r>
+              <a:rPr lang="pt-BR" dirty="0"/>
+              <a:t>Obrigado!</a:t>
+            </a:r>
+          </a:p>
+        </p:txBody>
+      </p:sp>
+    </p:spTree>
+    <p:extLst>
+      <p:ext uri="{BB962C8B-B14F-4D97-AF65-F5344CB8AC3E}">
+        <p14:creationId xmlns:p14="http://schemas.microsoft.com/office/powerpoint/2010/main" val="1741544785"/>
       </p:ext>
     </p:extLst>
   </p:cSld>
@@ -6076,13 +6256,6 @@
             <a:r>
               <a:rPr lang="pt-BR" dirty="0"/>
               <a:t>. Usar o sistema existente como base para a continuidade e evolução. Manter lógicas programadas, decisões, requisitos e regras de negócio;</a:t>
-            </a:r>
-          </a:p>
-          <a:p>
-            <a:pPr rtl="0"/>
-            <a:r>
-              <a:rPr lang="pt-BR" dirty="0"/>
-              <a:t>Sistemas monolíticos: Sistemas compostos por módulos que não são independentes da aplicação.</a:t>
             </a:r>
           </a:p>
         </p:txBody>
@@ -6167,10 +6340,16 @@
           <a:bodyPr rtlCol="0"/>
           <a:lstStyle/>
           <a:p>
-            <a:pPr rtl="0"/>
             <a:r>
               <a:rPr lang="pt-BR" dirty="0"/>
-              <a:t>Microserviços: Para resolver as limitações de monolíticos, microserviços estão sendo utilizados por estimular uma melhor modularização e gestão através de serviços menores e autônomos.</a:t>
+              <a:t>Sistemas monolíticos: Sistemas compostos por módulos que não são independentes da aplicação.</a:t>
+            </a:r>
+          </a:p>
+          <a:p>
+            <a:pPr rtl="0"/>
+            <a:r>
+              <a:rPr lang="pt-BR" dirty="0"/>
+              <a:t>Microsserviços: Para resolver as limitações de monolíticos, microsserviços estão sendo utilizados por estimular uma melhor modularização e gestão através de serviços menores e autônomos.</a:t>
             </a:r>
           </a:p>
           <a:p>
@@ -6226,7 +6405,13 @@
       </p:grpSpPr>
       <p:sp>
         <p:nvSpPr>
-          <p:cNvPr id="3" name="Título 2"/>
+          <p:cNvPr id="2" name="Título 1">
+            <a:extLst>
+              <a:ext uri="{FF2B5EF4-FFF2-40B4-BE49-F238E27FC236}">
+                <a16:creationId xmlns:a16="http://schemas.microsoft.com/office/drawing/2014/main" id="{99054D29-532E-4494-8F16-020C92A18EB1}"/>
+              </a:ext>
+            </a:extLst>
+          </p:cNvPr>
           <p:cNvSpPr>
             <a:spLocks noGrp="1"/>
           </p:cNvSpPr>
@@ -6234,83 +6419,71 @@
             <p:ph type="title"/>
           </p:nvPr>
         </p:nvSpPr>
-        <p:spPr/>
-        <p:txBody>
-          <a:bodyPr rtlCol="0">
+        <p:spPr>
+          <a:xfrm>
+            <a:off x="2019995" y="5552839"/>
+            <a:ext cx="7998681" cy="1143000"/>
+          </a:xfrm>
+        </p:spPr>
+        <p:txBody>
+          <a:bodyPr>
             <a:normAutofit/>
           </a:bodyPr>
           <a:lstStyle/>
           <a:p>
             <a:r>
-              <a:rPr lang="pt-BR" dirty="0"/>
-              <a:t>Sistemas monolíticos</a:t>
-            </a:r>
-          </a:p>
-        </p:txBody>
-      </p:sp>
-      <p:sp>
-        <p:nvSpPr>
-          <p:cNvPr id="2" name="Espaço reservado para conteúdo 1"/>
-          <p:cNvSpPr>
-            <a:spLocks noGrp="1"/>
-          </p:cNvSpPr>
+              <a:rPr lang="pt-BR" sz="900" dirty="0"/>
+              <a:t>Fonte: Adaptado da internet (Original disponível em: </a:t>
+            </a:r>
+            <a:r>
+              <a:rPr lang="pt-BR" sz="900" dirty="0">
+                <a:hlinkClick r:id="rId2"/>
+              </a:rPr>
+              <a:t>https://d1jnx9ba8s6j9r.cloudfront.net/blog/wp-content/uploads/2018/03/2-5.png</a:t>
+            </a:r>
+            <a:r>
+              <a:rPr lang="pt-BR" sz="900" dirty="0"/>
+              <a:t> )</a:t>
+            </a:r>
+          </a:p>
+        </p:txBody>
+      </p:sp>
+      <p:pic>
+        <p:nvPicPr>
+          <p:cNvPr id="4" name="Espaço Reservado para Conteúdo 3">
+            <a:extLst>
+              <a:ext uri="{FF2B5EF4-FFF2-40B4-BE49-F238E27FC236}">
+                <a16:creationId xmlns:a16="http://schemas.microsoft.com/office/drawing/2014/main" id="{91E23012-E7BF-4D2C-9089-88E27C72D267}"/>
+              </a:ext>
+            </a:extLst>
+          </p:cNvPr>
+          <p:cNvPicPr>
+            <a:picLocks noGrp="1" noChangeAspect="1"/>
+          </p:cNvPicPr>
           <p:nvPr>
             <p:ph idx="1"/>
           </p:nvPr>
-        </p:nvSpPr>
-        <p:spPr/>
-        <p:txBody>
-          <a:bodyPr rtlCol="0"/>
-          <a:lstStyle/>
-          <a:p>
-            <a:pPr lvl="1"/>
-            <a:r>
-              <a:rPr lang="pt-BR" dirty="0"/>
-              <a:t>Problemas Comuns:</a:t>
-            </a:r>
-          </a:p>
-          <a:p>
-            <a:pPr lvl="2"/>
-            <a:r>
-              <a:rPr lang="pt-BR" dirty="0"/>
-              <a:t>Manutenibilidade: Capacidade de um software ser modificado. Demanda de constantes mudanças podem deixar a manutenção mais complexa;</a:t>
-            </a:r>
-          </a:p>
-          <a:p>
-            <a:pPr lvl="2"/>
-            <a:r>
-              <a:rPr lang="pt-BR" dirty="0"/>
-              <a:t>Escalabilidade: Capacidade de um software acomodar crescimento em tamanho e complexidade. Eficácia quando software usado em um contexto maior em escopo e complexidade;</a:t>
-            </a:r>
-          </a:p>
-          <a:p>
-            <a:pPr lvl="2"/>
-            <a:r>
-              <a:rPr lang="pt-BR" dirty="0"/>
-              <a:t>Confiabilidade: Sistema livre de falhas. Quanto mais complexo menos confiável;</a:t>
-            </a:r>
-          </a:p>
-          <a:p>
-            <a:pPr lvl="2"/>
-            <a:r>
-              <a:rPr lang="pt-BR" dirty="0"/>
-              <a:t>Qualidade: Garantia que o software atenda a todos os requisitos. </a:t>
-            </a:r>
-            <a:r>
-              <a:rPr lang="pt-BR" dirty="0" err="1"/>
-              <a:t>Capacidae</a:t>
-            </a:r>
-            <a:r>
-              <a:rPr lang="pt-BR" dirty="0"/>
-              <a:t> do software atender às necessidades dos usuários.</a:t>
-            </a:r>
-          </a:p>
-        </p:txBody>
-      </p:sp>
+        </p:nvPicPr>
+        <p:blipFill>
+          <a:blip r:embed="rId3"/>
+          <a:stretch>
+            <a:fillRect/>
+          </a:stretch>
+        </p:blipFill>
+        <p:spPr>
+          <a:xfrm>
+            <a:off x="2019995" y="704088"/>
+            <a:ext cx="7998681" cy="5420251"/>
+          </a:xfrm>
+          <a:prstGeom prst="rect">
+            <a:avLst/>
+          </a:prstGeom>
+        </p:spPr>
+      </p:pic>
     </p:spTree>
     <p:extLst>
       <p:ext uri="{BB962C8B-B14F-4D97-AF65-F5344CB8AC3E}">
-        <p14:creationId xmlns:p14="http://schemas.microsoft.com/office/powerpoint/2010/main" val="3339554045"/>
+        <p14:creationId xmlns:p14="http://schemas.microsoft.com/office/powerpoint/2010/main" val="374889959"/>
       </p:ext>
     </p:extLst>
   </p:cSld>
@@ -6361,50 +6534,65 @@
         </p:nvSpPr>
         <p:spPr/>
         <p:txBody>
+          <a:bodyPr rtlCol="0">
+            <a:normAutofit/>
+          </a:bodyPr>
+          <a:lstStyle/>
+          <a:p>
+            <a:r>
+              <a:rPr lang="pt-BR" dirty="0"/>
+              <a:t>Sistemas monolíticos</a:t>
+            </a:r>
+          </a:p>
+        </p:txBody>
+      </p:sp>
+      <p:sp>
+        <p:nvSpPr>
+          <p:cNvPr id="2" name="Espaço reservado para conteúdo 1"/>
+          <p:cNvSpPr>
+            <a:spLocks noGrp="1"/>
+          </p:cNvSpPr>
+          <p:nvPr>
+            <p:ph idx="1"/>
+          </p:nvPr>
+        </p:nvSpPr>
+        <p:spPr/>
+        <p:txBody>
           <a:bodyPr rtlCol="0"/>
           <a:lstStyle/>
           <a:p>
-            <a:pPr rtl="0"/>
+            <a:pPr lvl="1"/>
             <a:r>
               <a:rPr lang="pt-BR" dirty="0"/>
-              <a:t>Microserviços: Por que migrar?</a:t>
-            </a:r>
-          </a:p>
-        </p:txBody>
-      </p:sp>
-      <p:sp>
-        <p:nvSpPr>
-          <p:cNvPr id="2" name="Espaço reservado para conteúdo 1"/>
-          <p:cNvSpPr>
-            <a:spLocks noGrp="1"/>
-          </p:cNvSpPr>
-          <p:nvPr>
-            <p:ph idx="1"/>
-          </p:nvPr>
-        </p:nvSpPr>
-        <p:spPr/>
-        <p:txBody>
-          <a:bodyPr rtlCol="0"/>
-          <a:lstStyle/>
-          <a:p>
-            <a:pPr rtl="0"/>
+              <a:t>Problemas Comuns:</a:t>
+            </a:r>
+          </a:p>
+          <a:p>
+            <a:pPr lvl="2"/>
             <a:r>
               <a:rPr lang="pt-BR" dirty="0"/>
-              <a:t>Delegação de responsabilidades: Microserviços podem ser desenvolvidos por times diferentes e independentes. Redução de sobrecarga e comunicação; </a:t>
-            </a:r>
-          </a:p>
-          <a:p>
-            <a:pPr rtl="0"/>
+              <a:t>Manutenibilidade: Capacidade de um software ser modificado. Demanda de constantes mudanças podem deixar a manutenção mais complexa;</a:t>
+            </a:r>
+          </a:p>
+          <a:p>
+            <a:pPr lvl="2"/>
             <a:r>
               <a:rPr lang="pt-BR" dirty="0"/>
-              <a:t>Diminuição de custos: Melhora significativa em relação a manutenibilidade, portanto a longo prazo os custos são menores se comparados a sistemas monolíticos;</a:t>
-            </a:r>
-          </a:p>
-          <a:p>
-            <a:pPr rtl="0"/>
+              <a:t>Escalabilidade: Capacidade de um software acomodar crescimento em tamanho e complexidade. Eficácia quando software usado em um contexto maior em escopo e complexidade;</a:t>
+            </a:r>
+          </a:p>
+          <a:p>
+            <a:pPr lvl="2"/>
             <a:r>
               <a:rPr lang="pt-BR" dirty="0"/>
-              <a:t>Novas tecnologias: Serviços independentes torna possível desenvolver microserviços com diferentes tecnologias.</a:t>
+              <a:t>Confiabilidade: Sistema livre de falhas. Quanto mais complexo menos confiável;</a:t>
+            </a:r>
+          </a:p>
+          <a:p>
+            <a:pPr lvl="2"/>
+            <a:r>
+              <a:rPr lang="pt-BR" dirty="0"/>
+              <a:t>Qualidade: Garantia que o software atenda a todos os requisitos. Capacidade do software atender às necessidades dos usuários.</a:t>
             </a:r>
           </a:p>
         </p:txBody>
@@ -6412,7 +6600,7 @@
     </p:spTree>
     <p:extLst>
       <p:ext uri="{BB962C8B-B14F-4D97-AF65-F5344CB8AC3E}">
-        <p14:creationId xmlns:p14="http://schemas.microsoft.com/office/powerpoint/2010/main" val="115085417"/>
+        <p14:creationId xmlns:p14="http://schemas.microsoft.com/office/powerpoint/2010/main" val="3339554045"/>
       </p:ext>
     </p:extLst>
   </p:cSld>
@@ -6463,50 +6651,52 @@
         </p:nvSpPr>
         <p:spPr/>
         <p:txBody>
+          <a:bodyPr rtlCol="0">
+            <a:normAutofit/>
+          </a:bodyPr>
+          <a:lstStyle/>
+          <a:p>
+            <a:pPr rtl="0"/>
+            <a:r>
+              <a:rPr lang="pt-BR" sz="4400" dirty="0"/>
+              <a:t>Motivações</a:t>
+            </a:r>
+          </a:p>
+        </p:txBody>
+      </p:sp>
+      <p:sp>
+        <p:nvSpPr>
+          <p:cNvPr id="2" name="Espaço reservado para conteúdo 1"/>
+          <p:cNvSpPr>
+            <a:spLocks noGrp="1"/>
+          </p:cNvSpPr>
+          <p:nvPr>
+            <p:ph idx="1"/>
+          </p:nvPr>
+        </p:nvSpPr>
+        <p:spPr/>
+        <p:txBody>
           <a:bodyPr rtlCol="0"/>
           <a:lstStyle/>
           <a:p>
             <a:pPr rtl="0"/>
             <a:r>
               <a:rPr lang="pt-BR" dirty="0"/>
-              <a:t>Microserviços: Riscos</a:t>
-            </a:r>
-          </a:p>
-        </p:txBody>
-      </p:sp>
-      <p:sp>
-        <p:nvSpPr>
-          <p:cNvPr id="2" name="Espaço reservado para conteúdo 1"/>
-          <p:cNvSpPr>
-            <a:spLocks noGrp="1"/>
-          </p:cNvSpPr>
-          <p:nvPr>
-            <p:ph idx="1"/>
-          </p:nvPr>
-        </p:nvSpPr>
-        <p:spPr/>
-        <p:txBody>
-          <a:bodyPr rtlCol="0"/>
-          <a:lstStyle/>
+              <a:t>Delegação de responsabilidades: Microsserviços podem ser desenvolvidos por times diferentes e independentes. Redução de sobrecarga e comunicação; </a:t>
+            </a:r>
+          </a:p>
           <a:p>
             <a:pPr rtl="0"/>
             <a:r>
               <a:rPr lang="pt-BR" dirty="0"/>
-              <a:t>Dados: Um dos desafios da migração para microserviços, pois como cada microserviço deve ser independente, cada microserviço deve ser responsável pelos seus próprios dados;</a:t>
+              <a:t>Diminuição de custos: Melhora significativa em relação a manutenibilidade, portanto a longo prazo os custos são menores se comparados a sistemas monolíticos;</a:t>
             </a:r>
           </a:p>
           <a:p>
             <a:pPr rtl="0"/>
             <a:r>
               <a:rPr lang="pt-BR" dirty="0"/>
-              <a:t>Resistência: Dificuldade em aceitar mudanças. Apego ao software desenvolvido;</a:t>
-            </a:r>
-          </a:p>
-          <a:p>
-            <a:pPr rtl="0"/>
-            <a:r>
-              <a:rPr lang="pt-BR" dirty="0"/>
-              <a:t>Custos iniciais: Investimento em infraestrutura e equipe;</a:t>
+              <a:t>Novas tecnologias: Serviços independentes torna possível desenvolver microsserviços com diferentes tecnologias.</a:t>
             </a:r>
           </a:p>
         </p:txBody>
@@ -6514,7 +6704,7 @@
     </p:spTree>
     <p:extLst>
       <p:ext uri="{BB962C8B-B14F-4D97-AF65-F5344CB8AC3E}">
-        <p14:creationId xmlns:p14="http://schemas.microsoft.com/office/powerpoint/2010/main" val="3252008090"/>
+        <p14:creationId xmlns:p14="http://schemas.microsoft.com/office/powerpoint/2010/main" val="115085417"/>
       </p:ext>
     </p:extLst>
   </p:cSld>
@@ -6571,7 +6761,7 @@
             <a:pPr rtl="0"/>
             <a:r>
               <a:rPr lang="pt-BR" dirty="0"/>
-              <a:t>Estratégias para migração</a:t>
+              <a:t>Riscos</a:t>
             </a:r>
           </a:p>
         </p:txBody>
@@ -6594,50 +6784,29 @@
             <a:pPr rtl="0"/>
             <a:r>
               <a:rPr lang="pt-BR" dirty="0"/>
-              <a:t>Novas funcionalidades:</a:t>
+              <a:t>Dados: Um dos desafios da migração para microserviços, pois como cada microserviço deve ser independente, cada microserviço deve ser responsável pelos seus próprios dados;</a:t>
             </a:r>
           </a:p>
           <a:p>
             <a:pPr rtl="0"/>
             <a:r>
               <a:rPr lang="pt-BR" dirty="0"/>
-              <a:t>Desenvolvimento do zero: baseado em código fonte existente;</a:t>
+              <a:t>Resistência: Dificuldade em aceitar mudanças. Apego ao software desenvolvido;</a:t>
             </a:r>
           </a:p>
           <a:p>
             <a:pPr rtl="0"/>
             <a:r>
               <a:rPr lang="pt-BR" dirty="0"/>
-              <a:t>Manter as duas arquiteturas (monolítico e microserviço) em paralelo: </a:t>
-            </a:r>
-            <a:r>
-              <a:rPr lang="pt-BR" i="1" dirty="0" err="1"/>
-              <a:t>Feature</a:t>
-            </a:r>
-            <a:r>
-              <a:rPr lang="pt-BR" i="1" dirty="0"/>
-              <a:t> </a:t>
-            </a:r>
-            <a:r>
-              <a:rPr lang="pt-BR" i="1" dirty="0" err="1"/>
-              <a:t>Toggle</a:t>
-            </a:r>
-            <a:r>
-              <a:rPr lang="pt-BR" i="1" dirty="0"/>
-              <a:t> </a:t>
-            </a:r>
-            <a:r>
-              <a:rPr lang="pt-BR" dirty="0"/>
-              <a:t>é umas das técnicas para alternar entre os dois ambientes</a:t>
-            </a:r>
-            <a:endParaRPr lang="pt-BR" i="1" dirty="0"/>
+              <a:t>Custos iniciais: Investimento em infraestrutura e equipe;</a:t>
+            </a:r>
           </a:p>
         </p:txBody>
       </p:sp>
     </p:spTree>
     <p:extLst>
       <p:ext uri="{BB962C8B-B14F-4D97-AF65-F5344CB8AC3E}">
-        <p14:creationId xmlns:p14="http://schemas.microsoft.com/office/powerpoint/2010/main" val="1419453836"/>
+        <p14:creationId xmlns:p14="http://schemas.microsoft.com/office/powerpoint/2010/main" val="3252008090"/>
       </p:ext>
     </p:extLst>
   </p:cSld>
@@ -6694,7 +6863,7 @@
             <a:pPr rtl="0"/>
             <a:r>
               <a:rPr lang="pt-BR" dirty="0"/>
-              <a:t>Trabalhos Relacionados</a:t>
+              <a:t>Estratégias para migração</a:t>
             </a:r>
           </a:p>
         </p:txBody>
@@ -6717,49 +6886,50 @@
             <a:pPr rtl="0"/>
             <a:r>
               <a:rPr lang="pt-BR" dirty="0"/>
-              <a:t>Um guia para apoiar a migração de sistemas legados para microserviços;</a:t>
+              <a:t>Novas funcionalidades:</a:t>
             </a:r>
           </a:p>
           <a:p>
             <a:pPr rtl="0"/>
             <a:r>
               <a:rPr lang="pt-BR" dirty="0"/>
-              <a:t>Modernização de sistemas legados para disponibilização em dispositivos móveis utilizando microserviços;</a:t>
-            </a:r>
-          </a:p>
-          <a:p>
-            <a:pPr rtl="0"/>
-            <a:r>
-              <a:rPr lang="pt-BR" dirty="0" err="1"/>
-              <a:t>Microservices</a:t>
-            </a:r>
+              <a:t>Desenvolvimento baseado em código fonte existente;</a:t>
+            </a:r>
+          </a:p>
+          <a:p>
+            <a:pPr rtl="0"/>
             <a:r>
               <a:rPr lang="pt-BR" dirty="0"/>
+              <a:t>Manter as duas arquiteturas (monolítico e microserviço) em paralelo: </a:t>
+            </a:r>
+            <a:r>
+              <a:rPr lang="pt-BR" i="1" dirty="0" err="1"/>
+              <a:t>Feature</a:t>
+            </a:r>
+            <a:r>
+              <a:rPr lang="pt-BR" i="1" dirty="0"/>
               <a:t> </a:t>
             </a:r>
             <a:r>
-              <a:rPr lang="pt-BR" dirty="0" err="1"/>
-              <a:t>migration</a:t>
+              <a:rPr lang="pt-BR" i="1" dirty="0" err="1"/>
+              <a:t>Toggle</a:t>
+            </a:r>
+            <a:r>
+              <a:rPr lang="pt-BR" i="1" dirty="0"/>
+              <a:t> </a:t>
             </a:r>
             <a:r>
               <a:rPr lang="pt-BR" dirty="0"/>
-              <a:t> </a:t>
-            </a:r>
-            <a:r>
-              <a:rPr lang="pt-BR" dirty="0" err="1"/>
-              <a:t>patterns</a:t>
-            </a:r>
-            <a:r>
-              <a:rPr lang="pt-BR" dirty="0"/>
-              <a:t>;</a:t>
-            </a:r>
+              <a:t>é umas das técnicas para alternar entre os dois ambientes</a:t>
+            </a:r>
+            <a:endParaRPr lang="pt-BR" i="1" dirty="0"/>
           </a:p>
         </p:txBody>
       </p:sp>
     </p:spTree>
     <p:extLst>
       <p:ext uri="{BB962C8B-B14F-4D97-AF65-F5344CB8AC3E}">
-        <p14:creationId xmlns:p14="http://schemas.microsoft.com/office/powerpoint/2010/main" val="2054880847"/>
+        <p14:creationId xmlns:p14="http://schemas.microsoft.com/office/powerpoint/2010/main" val="1419453836"/>
       </p:ext>
     </p:extLst>
   </p:cSld>
@@ -6816,7 +6986,7 @@
             <a:pPr rtl="0"/>
             <a:r>
               <a:rPr lang="pt-BR" dirty="0"/>
-              <a:t>Metodologia</a:t>
+              <a:t>Trabalhos Relacionados</a:t>
             </a:r>
           </a:p>
         </p:txBody>
@@ -6833,28 +7003,67 @@
         </p:nvSpPr>
         <p:spPr/>
         <p:txBody>
-          <a:bodyPr rtlCol="0"/>
+          <a:bodyPr rtlCol="0">
+            <a:normAutofit/>
+          </a:bodyPr>
           <a:lstStyle/>
           <a:p>
             <a:pPr rtl="0"/>
             <a:r>
               <a:rPr lang="pt-BR" dirty="0"/>
-              <a:t>Estudo de caso: Estudo de um fenômeno em um ambiente real. Análise com base em um projeto de engenharia de software, metodologia de engenharia de software e seu uso dentro da organização, todo ou parte específica de um novo projeto ou manutenção de um projeto em andamento;</a:t>
+              <a:t>Um guia para apoiar a migração de sistemas legados para microsserviços;</a:t>
             </a:r>
           </a:p>
           <a:p>
             <a:pPr rtl="0"/>
             <a:r>
               <a:rPr lang="pt-BR" dirty="0"/>
-              <a:t>Ambiente real: Núcleo de Tecnologia da Informação (NTI) UNIOESTE.</a:t>
-            </a:r>
+              <a:t>Modernização de sistemas legados para disponibilização em dispositivos móveis utilizando microsserviços;</a:t>
+            </a:r>
+          </a:p>
+          <a:p>
+            <a:pPr rtl="0"/>
+            <a:r>
+              <a:rPr lang="pt-BR" dirty="0" err="1"/>
+              <a:t>Microservices</a:t>
+            </a:r>
+            <a:r>
+              <a:rPr lang="pt-BR" dirty="0"/>
+              <a:t> </a:t>
+            </a:r>
+            <a:r>
+              <a:rPr lang="pt-BR" dirty="0" err="1"/>
+              <a:t>migration</a:t>
+            </a:r>
+            <a:r>
+              <a:rPr lang="pt-BR" dirty="0"/>
+              <a:t> </a:t>
+            </a:r>
+            <a:r>
+              <a:rPr lang="pt-BR" dirty="0" err="1"/>
+              <a:t>patterns</a:t>
+            </a:r>
+            <a:r>
+              <a:rPr lang="pt-BR" dirty="0"/>
+              <a:t>;</a:t>
+            </a:r>
+          </a:p>
+          <a:p>
+            <a:r>
+              <a:rPr lang="pt-BR" dirty="0"/>
+              <a:t>Artigo disciplina Engenharia de Requisitos: Um Processo para Migrar Sistemas Legados Monolíticos para Microsserviços</a:t>
+            </a:r>
+          </a:p>
+          <a:p>
+            <a:pPr rtl="0"/>
+            <a:endParaRPr lang="pt-BR" dirty="0"/>
           </a:p>
         </p:txBody>
       </p:sp>
     </p:spTree>
     <p:extLst>
       <p:ext uri="{BB962C8B-B14F-4D97-AF65-F5344CB8AC3E}">
-        <p14:creationId xmlns:p14="http://schemas.microsoft.com/office/powerpoint/2010/main" val="112606551"/>
+        <p14:creationId xmlns:p14="http://schemas.microsoft.com/office/powerpoint/2010/main" val="2054880847"/>
       </p:ext>
     </p:extLst>
   </p:cSld>
